--- a/draft_ppt_eastman.pptx
+++ b/draft_ppt_eastman.pptx
@@ -126,6 +126,35 @@
     <p1510:client id="{D6664A67-49E2-447E-973E-A24A2FB6A808}" v="8" dt="2020-10-01T19:39:39.615"/>
   </p1510:revLst>
 </p1510:revInfo>
+</file>
+
+<file path=ppt/changesInfos/changesInfo1.xml><?xml version="1.0" encoding="utf-8"?>
+<pc:chgInfo xmlns:a="http://schemas.openxmlformats.org/drawingml/2006/main" xmlns:r="http://schemas.openxmlformats.org/officeDocument/2006/relationships" xmlns:ac="http://schemas.microsoft.com/office/drawing/2013/main/command" xmlns:pc="http://schemas.microsoft.com/office/powerpoint/2013/main/command">
+  <pc:docChgLst>
+    <pc:chgData name="Tommy E" userId="f9563e571a3bc5d8" providerId="LiveId" clId="{8371CE8D-DC66-41CA-A905-1D0E627A869A}"/>
+    <pc:docChg chg="custSel modSld">
+      <pc:chgData name="Tommy E" userId="f9563e571a3bc5d8" providerId="LiveId" clId="{8371CE8D-DC66-41CA-A905-1D0E627A869A}" dt="2020-10-02T01:49:47.979" v="371" actId="20577"/>
+      <pc:docMkLst>
+        <pc:docMk/>
+      </pc:docMkLst>
+      <pc:sldChg chg="modSp mod">
+        <pc:chgData name="Tommy E" userId="f9563e571a3bc5d8" providerId="LiveId" clId="{8371CE8D-DC66-41CA-A905-1D0E627A869A}" dt="2020-10-02T01:49:47.979" v="371" actId="20577"/>
+        <pc:sldMkLst>
+          <pc:docMk/>
+          <pc:sldMk cId="710883403" sldId="264"/>
+        </pc:sldMkLst>
+        <pc:spChg chg="mod">
+          <ac:chgData name="Tommy E" userId="f9563e571a3bc5d8" providerId="LiveId" clId="{8371CE8D-DC66-41CA-A905-1D0E627A869A}" dt="2020-10-02T01:49:47.979" v="371" actId="20577"/>
+          <ac:spMkLst>
+            <pc:docMk/>
+            <pc:sldMk cId="710883403" sldId="264"/>
+            <ac:spMk id="3" creationId="{CC83EE4A-D957-4C26-A11C-261EBC42B65F}"/>
+          </ac:spMkLst>
+        </pc:spChg>
+      </pc:sldChg>
+    </pc:docChg>
+  </pc:docChgLst>
+</pc:chgInfo>
 </file>
 
 <file path=ppt/slideLayouts/slideLayout1.xml><?xml version="1.0" encoding="utf-8"?>
@@ -3881,6 +3910,12 @@
               <a:t>This allows the user to analyze how the pulse changes in time and space</a:t>
             </a:r>
           </a:p>
+          <a:p>
+            <a:r>
+              <a:rPr lang="en-US" dirty="0"/>
+              <a:t>Implement parallel processing to allow for a range of wavelengths to propagate </a:t>
+            </a:r>
+          </a:p>
         </p:txBody>
       </p:sp>
     </p:spTree>

--- a/draft_ppt_eastman.pptx
+++ b/draft_ppt_eastman.pptx
@@ -120,16 +120,32 @@
 </p:presentation>
 </file>
 
-<file path=ppt/revisionInfo.xml><?xml version="1.0" encoding="utf-8"?>
-<p1510:revInfo xmlns:a="http://schemas.openxmlformats.org/drawingml/2006/main" xmlns:r="http://schemas.openxmlformats.org/officeDocument/2006/relationships" xmlns:p1510="http://schemas.microsoft.com/office/powerpoint/2015/10/main">
-  <p1510:revLst>
-    <p1510:client id="{D6664A67-49E2-447E-973E-A24A2FB6A808}" v="8" dt="2020-10-01T19:39:39.615"/>
-  </p1510:revLst>
-</p1510:revInfo>
-</file>
-
 <file path=ppt/changesInfos/changesInfo1.xml><?xml version="1.0" encoding="utf-8"?>
 <pc:chgInfo xmlns:a="http://schemas.openxmlformats.org/drawingml/2006/main" xmlns:r="http://schemas.openxmlformats.org/officeDocument/2006/relationships" xmlns:ac="http://schemas.microsoft.com/office/drawing/2013/main/command" xmlns:pc="http://schemas.microsoft.com/office/powerpoint/2013/main/command">
+  <pc:docChgLst>
+    <pc:chgData name="Tommy E" userId="f9563e571a3bc5d8" providerId="LiveId" clId="{6BD0275D-42E7-4315-914A-B871A2E4002C}"/>
+    <pc:docChg chg="modSld">
+      <pc:chgData name="Tommy E" userId="f9563e571a3bc5d8" providerId="LiveId" clId="{6BD0275D-42E7-4315-914A-B871A2E4002C}" dt="2020-10-24T05:12:49.593" v="88" actId="20577"/>
+      <pc:docMkLst>
+        <pc:docMk/>
+      </pc:docMkLst>
+      <pc:sldChg chg="modSp mod">
+        <pc:chgData name="Tommy E" userId="f9563e571a3bc5d8" providerId="LiveId" clId="{6BD0275D-42E7-4315-914A-B871A2E4002C}" dt="2020-10-24T05:12:49.593" v="88" actId="20577"/>
+        <pc:sldMkLst>
+          <pc:docMk/>
+          <pc:sldMk cId="710883403" sldId="264"/>
+        </pc:sldMkLst>
+        <pc:spChg chg="mod">
+          <ac:chgData name="Tommy E" userId="f9563e571a3bc5d8" providerId="LiveId" clId="{6BD0275D-42E7-4315-914A-B871A2E4002C}" dt="2020-10-24T05:12:49.593" v="88" actId="20577"/>
+          <ac:spMkLst>
+            <pc:docMk/>
+            <pc:sldMk cId="710883403" sldId="264"/>
+            <ac:spMk id="3" creationId="{CC83EE4A-D957-4C26-A11C-261EBC42B65F}"/>
+          </ac:spMkLst>
+        </pc:spChg>
+      </pc:sldChg>
+    </pc:docChg>
+  </pc:docChgLst>
   <pc:docChgLst>
     <pc:chgData name="Tommy E" userId="f9563e571a3bc5d8" providerId="LiveId" clId="{8371CE8D-DC66-41CA-A905-1D0E627A869A}"/>
     <pc:docChg chg="custSel modSld">
@@ -304,7 +320,7 @@
           <a:p>
             <a:fld id="{E55D356C-060C-4140-AAE1-9E36698786A0}" type="datetimeFigureOut">
               <a:rPr lang="en-US" smtClean="0"/>
-              <a:t>10/1/2020</a:t>
+              <a:t>10/24/2020</a:t>
             </a:fld>
             <a:endParaRPr lang="en-US"/>
           </a:p>
@@ -502,7 +518,7 @@
           <a:p>
             <a:fld id="{E55D356C-060C-4140-AAE1-9E36698786A0}" type="datetimeFigureOut">
               <a:rPr lang="en-US" smtClean="0"/>
-              <a:t>10/1/2020</a:t>
+              <a:t>10/24/2020</a:t>
             </a:fld>
             <a:endParaRPr lang="en-US"/>
           </a:p>
@@ -710,7 +726,7 @@
           <a:p>
             <a:fld id="{E55D356C-060C-4140-AAE1-9E36698786A0}" type="datetimeFigureOut">
               <a:rPr lang="en-US" smtClean="0"/>
-              <a:t>10/1/2020</a:t>
+              <a:t>10/24/2020</a:t>
             </a:fld>
             <a:endParaRPr lang="en-US"/>
           </a:p>
@@ -908,7 +924,7 @@
           <a:p>
             <a:fld id="{E55D356C-060C-4140-AAE1-9E36698786A0}" type="datetimeFigureOut">
               <a:rPr lang="en-US" smtClean="0"/>
-              <a:t>10/1/2020</a:t>
+              <a:t>10/24/2020</a:t>
             </a:fld>
             <a:endParaRPr lang="en-US"/>
           </a:p>
@@ -1183,7 +1199,7 @@
           <a:p>
             <a:fld id="{E55D356C-060C-4140-AAE1-9E36698786A0}" type="datetimeFigureOut">
               <a:rPr lang="en-US" smtClean="0"/>
-              <a:t>10/1/2020</a:t>
+              <a:t>10/24/2020</a:t>
             </a:fld>
             <a:endParaRPr lang="en-US"/>
           </a:p>
@@ -1448,7 +1464,7 @@
           <a:p>
             <a:fld id="{E55D356C-060C-4140-AAE1-9E36698786A0}" type="datetimeFigureOut">
               <a:rPr lang="en-US" smtClean="0"/>
-              <a:t>10/1/2020</a:t>
+              <a:t>10/24/2020</a:t>
             </a:fld>
             <a:endParaRPr lang="en-US"/>
           </a:p>
@@ -1860,7 +1876,7 @@
           <a:p>
             <a:fld id="{E55D356C-060C-4140-AAE1-9E36698786A0}" type="datetimeFigureOut">
               <a:rPr lang="en-US" smtClean="0"/>
-              <a:t>10/1/2020</a:t>
+              <a:t>10/24/2020</a:t>
             </a:fld>
             <a:endParaRPr lang="en-US"/>
           </a:p>
@@ -2001,7 +2017,7 @@
           <a:p>
             <a:fld id="{E55D356C-060C-4140-AAE1-9E36698786A0}" type="datetimeFigureOut">
               <a:rPr lang="en-US" smtClean="0"/>
-              <a:t>10/1/2020</a:t>
+              <a:t>10/24/2020</a:t>
             </a:fld>
             <a:endParaRPr lang="en-US"/>
           </a:p>
@@ -2114,7 +2130,7 @@
           <a:p>
             <a:fld id="{E55D356C-060C-4140-AAE1-9E36698786A0}" type="datetimeFigureOut">
               <a:rPr lang="en-US" smtClean="0"/>
-              <a:t>10/1/2020</a:t>
+              <a:t>10/24/2020</a:t>
             </a:fld>
             <a:endParaRPr lang="en-US"/>
           </a:p>
@@ -2425,7 +2441,7 @@
           <a:p>
             <a:fld id="{E55D356C-060C-4140-AAE1-9E36698786A0}" type="datetimeFigureOut">
               <a:rPr lang="en-US" smtClean="0"/>
-              <a:t>10/1/2020</a:t>
+              <a:t>10/24/2020</a:t>
             </a:fld>
             <a:endParaRPr lang="en-US"/>
           </a:p>
@@ -2713,7 +2729,7 @@
           <a:p>
             <a:fld id="{E55D356C-060C-4140-AAE1-9E36698786A0}" type="datetimeFigureOut">
               <a:rPr lang="en-US" smtClean="0"/>
-              <a:t>10/1/2020</a:t>
+              <a:t>10/24/2020</a:t>
             </a:fld>
             <a:endParaRPr lang="en-US"/>
           </a:p>
@@ -2954,7 +2970,7 @@
           <a:p>
             <a:fld id="{E55D356C-060C-4140-AAE1-9E36698786A0}" type="datetimeFigureOut">
               <a:rPr lang="en-US" smtClean="0"/>
-              <a:t>10/1/2020</a:t>
+              <a:t>10/24/2020</a:t>
             </a:fld>
             <a:endParaRPr lang="en-US"/>
           </a:p>
@@ -3901,19 +3917,7 @@
           <a:p>
             <a:r>
               <a:rPr lang="en-US" dirty="0"/>
-              <a:t>Create a code base in Python that simulates the path light takes through the TFM model </a:t>
-            </a:r>
-          </a:p>
-          <a:p>
-            <a:r>
-              <a:rPr lang="en-US" dirty="0"/>
-              <a:t>This allows the user to analyze how the pulse changes in time and space</a:t>
-            </a:r>
-          </a:p>
-          <a:p>
-            <a:r>
-              <a:rPr lang="en-US" dirty="0"/>
-              <a:t>Implement parallel processing to allow for a range of wavelengths to propagate </a:t>
+              <a:t>Modeling ray propagation through the microscopy system</a:t>
             </a:r>
           </a:p>
         </p:txBody>

--- a/draft_ppt_eastman.pptx
+++ b/draft_ppt_eastman.pptx
@@ -123,13 +123,53 @@
 <file path=ppt/revisionInfo.xml><?xml version="1.0" encoding="utf-8"?>
 <p1510:revInfo xmlns:a="http://schemas.openxmlformats.org/drawingml/2006/main" xmlns:r="http://schemas.openxmlformats.org/officeDocument/2006/relationships" xmlns:p1510="http://schemas.microsoft.com/office/powerpoint/2015/10/main">
   <p1510:revLst>
-    <p1510:client id="{D6664A67-49E2-447E-973E-A24A2FB6A808}" v="8" dt="2020-10-01T19:39:39.615"/>
+    <p1510:client id="{6BD0275D-42E7-4315-914A-B871A2E4002C}" v="2" dt="2020-10-24T05:33:07.740"/>
   </p1510:revLst>
 </p1510:revInfo>
 </file>
 
 <file path=ppt/changesInfos/changesInfo1.xml><?xml version="1.0" encoding="utf-8"?>
 <pc:chgInfo xmlns:a="http://schemas.openxmlformats.org/drawingml/2006/main" xmlns:r="http://schemas.openxmlformats.org/officeDocument/2006/relationships" xmlns:ac="http://schemas.microsoft.com/office/drawing/2013/main/command" xmlns:pc="http://schemas.microsoft.com/office/powerpoint/2013/main/command">
+  <pc:docChgLst>
+    <pc:chgData name="Tommy E" userId="f9563e571a3bc5d8" providerId="LiveId" clId="{6BD0275D-42E7-4315-914A-B871A2E4002C}"/>
+    <pc:docChg chg="modSld">
+      <pc:chgData name="Tommy E" userId="f9563e571a3bc5d8" providerId="LiveId" clId="{6BD0275D-42E7-4315-914A-B871A2E4002C}" dt="2020-10-24T05:33:16.394" v="97" actId="14100"/>
+      <pc:docMkLst>
+        <pc:docMk/>
+      </pc:docMkLst>
+      <pc:sldChg chg="addSp modSp mod">
+        <pc:chgData name="Tommy E" userId="f9563e571a3bc5d8" providerId="LiveId" clId="{6BD0275D-42E7-4315-914A-B871A2E4002C}" dt="2020-10-24T05:33:16.394" v="97" actId="14100"/>
+        <pc:sldMkLst>
+          <pc:docMk/>
+          <pc:sldMk cId="710883403" sldId="264"/>
+        </pc:sldMkLst>
+        <pc:spChg chg="mod">
+          <ac:chgData name="Tommy E" userId="f9563e571a3bc5d8" providerId="LiveId" clId="{6BD0275D-42E7-4315-914A-B871A2E4002C}" dt="2020-10-24T05:32:27.374" v="87" actId="20577"/>
+          <ac:spMkLst>
+            <pc:docMk/>
+            <pc:sldMk cId="710883403" sldId="264"/>
+            <ac:spMk id="3" creationId="{CC83EE4A-D957-4C26-A11C-261EBC42B65F}"/>
+          </ac:spMkLst>
+        </pc:spChg>
+        <pc:picChg chg="add mod">
+          <ac:chgData name="Tommy E" userId="f9563e571a3bc5d8" providerId="LiveId" clId="{6BD0275D-42E7-4315-914A-B871A2E4002C}" dt="2020-10-24T05:32:58.208" v="92" actId="14100"/>
+          <ac:picMkLst>
+            <pc:docMk/>
+            <pc:sldMk cId="710883403" sldId="264"/>
+            <ac:picMk id="5" creationId="{3B43AF28-222C-4735-9998-D9ED214075EA}"/>
+          </ac:picMkLst>
+        </pc:picChg>
+        <pc:picChg chg="add mod">
+          <ac:chgData name="Tommy E" userId="f9563e571a3bc5d8" providerId="LiveId" clId="{6BD0275D-42E7-4315-914A-B871A2E4002C}" dt="2020-10-24T05:33:16.394" v="97" actId="14100"/>
+          <ac:picMkLst>
+            <pc:docMk/>
+            <pc:sldMk cId="710883403" sldId="264"/>
+            <ac:picMk id="7" creationId="{19253A82-5CD8-4B19-816A-914AF07A1627}"/>
+          </ac:picMkLst>
+        </pc:picChg>
+      </pc:sldChg>
+    </pc:docChg>
+  </pc:docChgLst>
   <pc:docChgLst>
     <pc:chgData name="Tommy E" userId="f9563e571a3bc5d8" providerId="LiveId" clId="{8371CE8D-DC66-41CA-A905-1D0E627A869A}"/>
     <pc:docChg chg="custSel modSld">
@@ -304,7 +344,7 @@
           <a:p>
             <a:fld id="{E55D356C-060C-4140-AAE1-9E36698786A0}" type="datetimeFigureOut">
               <a:rPr lang="en-US" smtClean="0"/>
-              <a:t>10/1/2020</a:t>
+              <a:t>10/24/2020</a:t>
             </a:fld>
             <a:endParaRPr lang="en-US"/>
           </a:p>
@@ -502,7 +542,7 @@
           <a:p>
             <a:fld id="{E55D356C-060C-4140-AAE1-9E36698786A0}" type="datetimeFigureOut">
               <a:rPr lang="en-US" smtClean="0"/>
-              <a:t>10/1/2020</a:t>
+              <a:t>10/24/2020</a:t>
             </a:fld>
             <a:endParaRPr lang="en-US"/>
           </a:p>
@@ -710,7 +750,7 @@
           <a:p>
             <a:fld id="{E55D356C-060C-4140-AAE1-9E36698786A0}" type="datetimeFigureOut">
               <a:rPr lang="en-US" smtClean="0"/>
-              <a:t>10/1/2020</a:t>
+              <a:t>10/24/2020</a:t>
             </a:fld>
             <a:endParaRPr lang="en-US"/>
           </a:p>
@@ -908,7 +948,7 @@
           <a:p>
             <a:fld id="{E55D356C-060C-4140-AAE1-9E36698786A0}" type="datetimeFigureOut">
               <a:rPr lang="en-US" smtClean="0"/>
-              <a:t>10/1/2020</a:t>
+              <a:t>10/24/2020</a:t>
             </a:fld>
             <a:endParaRPr lang="en-US"/>
           </a:p>
@@ -1183,7 +1223,7 @@
           <a:p>
             <a:fld id="{E55D356C-060C-4140-AAE1-9E36698786A0}" type="datetimeFigureOut">
               <a:rPr lang="en-US" smtClean="0"/>
-              <a:t>10/1/2020</a:t>
+              <a:t>10/24/2020</a:t>
             </a:fld>
             <a:endParaRPr lang="en-US"/>
           </a:p>
@@ -1448,7 +1488,7 @@
           <a:p>
             <a:fld id="{E55D356C-060C-4140-AAE1-9E36698786A0}" type="datetimeFigureOut">
               <a:rPr lang="en-US" smtClean="0"/>
-              <a:t>10/1/2020</a:t>
+              <a:t>10/24/2020</a:t>
             </a:fld>
             <a:endParaRPr lang="en-US"/>
           </a:p>
@@ -1860,7 +1900,7 @@
           <a:p>
             <a:fld id="{E55D356C-060C-4140-AAE1-9E36698786A0}" type="datetimeFigureOut">
               <a:rPr lang="en-US" smtClean="0"/>
-              <a:t>10/1/2020</a:t>
+              <a:t>10/24/2020</a:t>
             </a:fld>
             <a:endParaRPr lang="en-US"/>
           </a:p>
@@ -2001,7 +2041,7 @@
           <a:p>
             <a:fld id="{E55D356C-060C-4140-AAE1-9E36698786A0}" type="datetimeFigureOut">
               <a:rPr lang="en-US" smtClean="0"/>
-              <a:t>10/1/2020</a:t>
+              <a:t>10/24/2020</a:t>
             </a:fld>
             <a:endParaRPr lang="en-US"/>
           </a:p>
@@ -2114,7 +2154,7 @@
           <a:p>
             <a:fld id="{E55D356C-060C-4140-AAE1-9E36698786A0}" type="datetimeFigureOut">
               <a:rPr lang="en-US" smtClean="0"/>
-              <a:t>10/1/2020</a:t>
+              <a:t>10/24/2020</a:t>
             </a:fld>
             <a:endParaRPr lang="en-US"/>
           </a:p>
@@ -2425,7 +2465,7 @@
           <a:p>
             <a:fld id="{E55D356C-060C-4140-AAE1-9E36698786A0}" type="datetimeFigureOut">
               <a:rPr lang="en-US" smtClean="0"/>
-              <a:t>10/1/2020</a:t>
+              <a:t>10/24/2020</a:t>
             </a:fld>
             <a:endParaRPr lang="en-US"/>
           </a:p>
@@ -2713,7 +2753,7 @@
           <a:p>
             <a:fld id="{E55D356C-060C-4140-AAE1-9E36698786A0}" type="datetimeFigureOut">
               <a:rPr lang="en-US" smtClean="0"/>
-              <a:t>10/1/2020</a:t>
+              <a:t>10/24/2020</a:t>
             </a:fld>
             <a:endParaRPr lang="en-US"/>
           </a:p>
@@ -2954,7 +2994,7 @@
           <a:p>
             <a:fld id="{E55D356C-060C-4140-AAE1-9E36698786A0}" type="datetimeFigureOut">
               <a:rPr lang="en-US" smtClean="0"/>
-              <a:t>10/1/2020</a:t>
+              <a:t>10/24/2020</a:t>
             </a:fld>
             <a:endParaRPr lang="en-US"/>
           </a:p>
@@ -3901,23 +3941,83 @@
           <a:p>
             <a:r>
               <a:rPr lang="en-US" dirty="0"/>
-              <a:t>Create a code base in Python that simulates the path light takes through the TFM model </a:t>
-            </a:r>
-          </a:p>
-          <a:p>
-            <a:r>
-              <a:rPr lang="en-US" dirty="0"/>
-              <a:t>This allows the user to analyze how the pulse changes in time and space</a:t>
-            </a:r>
-          </a:p>
-          <a:p>
-            <a:r>
-              <a:rPr lang="en-US" dirty="0"/>
-              <a:t>Implement parallel processing to allow for a range of wavelengths to propagate </a:t>
-            </a:r>
-          </a:p>
-        </p:txBody>
-      </p:sp>
+              <a:t>Modeled light as it propagates through the microscopy system</a:t>
+            </a:r>
+          </a:p>
+        </p:txBody>
+      </p:sp>
+      <p:pic>
+        <p:nvPicPr>
+          <p:cNvPr id="5" name="Picture 4" descr="Chart&#10;&#10;Description automatically generated">
+            <a:extLst>
+              <a:ext uri="{FF2B5EF4-FFF2-40B4-BE49-F238E27FC236}">
+                <a16:creationId xmlns:a16="http://schemas.microsoft.com/office/drawing/2014/main" id="{3B43AF28-222C-4735-9998-D9ED214075EA}"/>
+              </a:ext>
+            </a:extLst>
+          </p:cNvPr>
+          <p:cNvPicPr>
+            <a:picLocks noChangeAspect="1"/>
+          </p:cNvPicPr>
+          <p:nvPr/>
+        </p:nvPicPr>
+        <p:blipFill>
+          <a:blip r:embed="rId2">
+            <a:extLst>
+              <a:ext uri="{28A0092B-C50C-407E-A947-70E740481C1C}">
+                <a14:useLocalDpi xmlns:a14="http://schemas.microsoft.com/office/drawing/2010/main" val="0"/>
+              </a:ext>
+            </a:extLst>
+          </a:blip>
+          <a:stretch>
+            <a:fillRect/>
+          </a:stretch>
+        </p:blipFill>
+        <p:spPr>
+          <a:xfrm>
+            <a:off x="0" y="3144253"/>
+            <a:ext cx="5014342" cy="3713747"/>
+          </a:xfrm>
+          <a:prstGeom prst="rect">
+            <a:avLst/>
+          </a:prstGeom>
+        </p:spPr>
+      </p:pic>
+      <p:pic>
+        <p:nvPicPr>
+          <p:cNvPr id="7" name="Picture 6" descr="Chart, bar chart, histogram&#10;&#10;Description automatically generated">
+            <a:extLst>
+              <a:ext uri="{FF2B5EF4-FFF2-40B4-BE49-F238E27FC236}">
+                <a16:creationId xmlns:a16="http://schemas.microsoft.com/office/drawing/2014/main" id="{19253A82-5CD8-4B19-816A-914AF07A1627}"/>
+              </a:ext>
+            </a:extLst>
+          </p:cNvPr>
+          <p:cNvPicPr>
+            <a:picLocks noChangeAspect="1"/>
+          </p:cNvPicPr>
+          <p:nvPr/>
+        </p:nvPicPr>
+        <p:blipFill>
+          <a:blip r:embed="rId3">
+            <a:extLst>
+              <a:ext uri="{28A0092B-C50C-407E-A947-70E740481C1C}">
+                <a14:useLocalDpi xmlns:a14="http://schemas.microsoft.com/office/drawing/2010/main" val="0"/>
+              </a:ext>
+            </a:extLst>
+          </a:blip>
+          <a:stretch>
+            <a:fillRect/>
+          </a:stretch>
+        </p:blipFill>
+        <p:spPr>
+          <a:xfrm>
+            <a:off x="6801852" y="3046507"/>
+            <a:ext cx="5146319" cy="3811493"/>
+          </a:xfrm>
+          <a:prstGeom prst="rect">
+            <a:avLst/>
+          </a:prstGeom>
+        </p:spPr>
+      </p:pic>
     </p:spTree>
     <p:extLst>
       <p:ext uri="{BB962C8B-B14F-4D97-AF65-F5344CB8AC3E}">
